--- a/Presentation1/Intelligent_Patent_Analysis_20231115.pptx
+++ b/Presentation1/Intelligent_Patent_Analysis_20231115.pptx
@@ -315,7 +315,7 @@
               <a:pPr>
                 <a:defRPr/>
               </a:pPr>
-              <a:t>2023/11/15</a:t>
+              <a:t>2023/11/16</a:t>
             </a:fld>
             <a:endParaRPr lang="zh-TW" altLang="en-US"/>
           </a:p>
@@ -535,7 +535,7 @@
               <a:pPr>
                 <a:defRPr/>
               </a:pPr>
-              <a:t>2023/11/15</a:t>
+              <a:t>2023/11/16</a:t>
             </a:fld>
             <a:endParaRPr lang="zh-TW" altLang="en-US"/>
           </a:p>
@@ -40618,7 +40618,11 @@
               </a:tabLst>
             </a:pPr>
             <a:r>
-              <a:rPr lang="zh-TW" altLang="en-US" sz="1600" dirty="0"/>
+              <a:rPr lang="zh-TW" altLang="en-US" sz="1600" dirty="0">
+                <a:highlight>
+                  <a:srgbClr val="00FFFF"/>
+                </a:highlight>
+              </a:rPr>
               <a:t>自動控制系統</a:t>
             </a:r>
             <a:r>
@@ -40640,7 +40644,7 @@
             <a:r>
               <a:rPr lang="zh-TW" altLang="en-US" sz="1600" dirty="0">
                 <a:highlight>
-                  <a:srgbClr val="FFFF00"/>
+                  <a:srgbClr val="00FFFF"/>
                 </a:highlight>
               </a:rPr>
               <a:t>影像處理和分析</a:t>
@@ -40664,7 +40668,7 @@
             <a:r>
               <a:rPr lang="zh-TW" altLang="en-US" sz="1600" dirty="0">
                 <a:highlight>
-                  <a:srgbClr val="FFFF00"/>
+                  <a:srgbClr val="00FFFF"/>
                 </a:highlight>
               </a:rPr>
               <a:t>飛行</a:t>
@@ -40672,7 +40676,7 @@
             <a:r>
               <a:rPr lang="zh-CN" altLang="en-US" sz="1600" dirty="0">
                 <a:highlight>
-                  <a:srgbClr val="FFFF00"/>
+                  <a:srgbClr val="00FFFF"/>
                 </a:highlight>
                 <a:latin typeface="細明體" panose="02020509000000000000" pitchFamily="49" charset="-120"/>
                 <a:ea typeface="細明體" panose="02020509000000000000" pitchFamily="49" charset="-120"/>
@@ -40682,7 +40686,7 @@
             <a:r>
               <a:rPr lang="zh-TW" altLang="en-US" sz="1600" dirty="0">
                 <a:highlight>
-                  <a:srgbClr val="FFFF00"/>
+                  <a:srgbClr val="00FFFF"/>
                 </a:highlight>
               </a:rPr>
               <a:t>優化</a:t>
@@ -40706,7 +40710,7 @@
             <a:r>
               <a:rPr lang="zh-TW" altLang="en-US" sz="1600" dirty="0">
                 <a:highlight>
-                  <a:srgbClr val="FFFF00"/>
+                  <a:srgbClr val="00FFFF"/>
                 </a:highlight>
               </a:rPr>
               <a:t>能源效率管理</a:t>
@@ -40809,7 +40813,11 @@
               </a:tabLst>
             </a:pPr>
             <a:r>
-              <a:rPr lang="zh-TW" altLang="en-US" sz="1600" dirty="0"/>
+              <a:rPr lang="zh-TW" altLang="en-US" sz="1600" dirty="0">
+                <a:highlight>
+                  <a:srgbClr val="00FFFF"/>
+                </a:highlight>
+              </a:rPr>
               <a:t>環境感知能力</a:t>
             </a:r>
             <a:r>
@@ -44647,6 +44655,15 @@
 </file>
 
 <file path=customXml/item1.xml><?xml version="1.0" encoding="utf-8"?>
+<?mso-contentType ?>
+<FormTemplates xmlns="http://schemas.microsoft.com/sharepoint/v3/contenttype/forms">
+  <Display>DocumentLibraryForm</Display>
+  <Edit>DocumentLibraryForm</Edit>
+  <New>DocumentLibraryForm</New>
+</FormTemplates>
+</file>
+
+<file path=customXml/item2.xml><?xml version="1.0" encoding="utf-8"?>
 <ct:contentTypeSchema xmlns:ct="http://schemas.microsoft.com/office/2006/metadata/contentType" xmlns:ma="http://schemas.microsoft.com/office/2006/metadata/properties/metaAttributes" ct:_="" ma:_="" ma:contentTypeName="文件" ma:contentTypeID="0x0101006F5063E91006994F878354ABD476B4AD" ma:contentTypeVersion="0" ma:contentTypeDescription="建立新的文件。" ma:contentTypeScope="" ma:versionID="d95784d257ed41517342ce5a8911a889">
   <xsd:schema xmlns:xsd="http://www.w3.org/2001/XMLSchema" xmlns:xs="http://www.w3.org/2001/XMLSchema" xmlns:p="http://schemas.microsoft.com/office/2006/metadata/properties" targetNamespace="http://schemas.microsoft.com/office/2006/metadata/properties" ma:root="true" ma:fieldsID="91945d2673cd7a110ed8979298476c8a">
     <xsd:element name="properties">
@@ -44760,16 +44777,15 @@
 </ct:contentTypeSchema>
 </file>
 
-<file path=customXml/item2.xml><?xml version="1.0" encoding="utf-8"?>
-<?mso-contentType ?>
-<FormTemplates xmlns="http://schemas.microsoft.com/sharepoint/v3/contenttype/forms">
-  <Display>DocumentLibraryForm</Display>
-  <Edit>DocumentLibraryForm</Edit>
-  <New>DocumentLibraryForm</New>
-</FormTemplates>
+<file path=customXml/itemProps1.xml><?xml version="1.0" encoding="utf-8"?>
+<ds:datastoreItem xmlns:ds="http://schemas.openxmlformats.org/officeDocument/2006/customXml" ds:itemID="{6E9E65B0-A974-4331-97B4-D658E0593EEC}">
+  <ds:schemaRefs>
+    <ds:schemaRef ds:uri="http://schemas.microsoft.com/sharepoint/v3/contenttype/forms"/>
+  </ds:schemaRefs>
+</ds:datastoreItem>
 </file>
 
-<file path=customXml/itemProps1.xml><?xml version="1.0" encoding="utf-8"?>
+<file path=customXml/itemProps2.xml><?xml version="1.0" encoding="utf-8"?>
 <ds:datastoreItem xmlns:ds="http://schemas.openxmlformats.org/officeDocument/2006/customXml" ds:itemID="{C35435E5-5738-4144-BE09-5A63147536D9}">
   <ds:schemaRefs>
     <ds:schemaRef ds:uri="http://schemas.microsoft.com/office/2006/metadata/contentType"/>
@@ -44785,14 +44801,6 @@
 </ds:datastoreItem>
 </file>
 
-<file path=customXml/itemProps2.xml><?xml version="1.0" encoding="utf-8"?>
-<ds:datastoreItem xmlns:ds="http://schemas.openxmlformats.org/officeDocument/2006/customXml" ds:itemID="{6E9E65B0-A974-4331-97B4-D658E0593EEC}">
-  <ds:schemaRefs>
-    <ds:schemaRef ds:uri="http://schemas.microsoft.com/sharepoint/v3/contenttype/forms"/>
-  </ds:schemaRefs>
-</ds:datastoreItem>
-</file>
-
 <file path=docMetadata/LabelInfo.xml><?xml version="1.0" encoding="utf-8"?>
 <clbl:labelList xmlns:clbl="http://schemas.microsoft.com/office/2020/mipLabelMetadata">
   <clbl:label id="{de0795e0-d7c0-4eeb-b9bb-bc94d8980d3b}" enabled="0" method="" siteId="{de0795e0-d7c0-4eeb-b9bb-bc94d8980d3b}" removed="1"/>
